--- a/Documentation/Презентация Бирюков 4412.pptx
+++ b/Documentation/Презентация Бирюков 4412.pptx
@@ -210,7 +210,7 @@
             <a:fld id="{BAAF70DE-88EF-4337-B0E3-9F985545965B}" type="datetimeFigureOut">
               <a:rPr lang="ru-RU" smtClean="0"/>
               <a:pPr/>
-              <a:t>29.05.2019</a:t>
+              <a:t>30.05.2019</a:t>
             </a:fld>
             <a:endParaRPr lang="ru-RU"/>
           </a:p>
@@ -740,7 +740,7 @@
             <a:fld id="{5B106E36-FD25-4E2D-B0AA-010F637433A0}" type="datetimeFigureOut">
               <a:rPr lang="ru-RU" smtClean="0"/>
               <a:pPr/>
-              <a:t>29.05.2019</a:t>
+              <a:t>30.05.2019</a:t>
             </a:fld>
             <a:endParaRPr lang="ru-RU"/>
           </a:p>
@@ -907,7 +907,7 @@
             <a:fld id="{5B106E36-FD25-4E2D-B0AA-010F637433A0}" type="datetimeFigureOut">
               <a:rPr lang="ru-RU" smtClean="0"/>
               <a:pPr/>
-              <a:t>29.05.2019</a:t>
+              <a:t>30.05.2019</a:t>
             </a:fld>
             <a:endParaRPr lang="ru-RU"/>
           </a:p>
@@ -1084,7 +1084,7 @@
             <a:fld id="{5B106E36-FD25-4E2D-B0AA-010F637433A0}" type="datetimeFigureOut">
               <a:rPr lang="ru-RU" smtClean="0"/>
               <a:pPr/>
-              <a:t>29.05.2019</a:t>
+              <a:t>30.05.2019</a:t>
             </a:fld>
             <a:endParaRPr lang="ru-RU"/>
           </a:p>
@@ -1251,7 +1251,7 @@
             <a:fld id="{5B106E36-FD25-4E2D-B0AA-010F637433A0}" type="datetimeFigureOut">
               <a:rPr lang="ru-RU" smtClean="0"/>
               <a:pPr/>
-              <a:t>29.05.2019</a:t>
+              <a:t>30.05.2019</a:t>
             </a:fld>
             <a:endParaRPr lang="ru-RU"/>
           </a:p>
@@ -1494,7 +1494,7 @@
             <a:fld id="{5B106E36-FD25-4E2D-B0AA-010F637433A0}" type="datetimeFigureOut">
               <a:rPr lang="ru-RU" smtClean="0"/>
               <a:pPr/>
-              <a:t>29.05.2019</a:t>
+              <a:t>30.05.2019</a:t>
             </a:fld>
             <a:endParaRPr lang="ru-RU"/>
           </a:p>
@@ -1779,7 +1779,7 @@
             <a:fld id="{5B106E36-FD25-4E2D-B0AA-010F637433A0}" type="datetimeFigureOut">
               <a:rPr lang="ru-RU" smtClean="0"/>
               <a:pPr/>
-              <a:t>29.05.2019</a:t>
+              <a:t>30.05.2019</a:t>
             </a:fld>
             <a:endParaRPr lang="ru-RU"/>
           </a:p>
@@ -2198,7 +2198,7 @@
             <a:fld id="{5B106E36-FD25-4E2D-B0AA-010F637433A0}" type="datetimeFigureOut">
               <a:rPr lang="ru-RU" smtClean="0"/>
               <a:pPr/>
-              <a:t>29.05.2019</a:t>
+              <a:t>30.05.2019</a:t>
             </a:fld>
             <a:endParaRPr lang="ru-RU"/>
           </a:p>
@@ -2313,7 +2313,7 @@
             <a:fld id="{5B106E36-FD25-4E2D-B0AA-010F637433A0}" type="datetimeFigureOut">
               <a:rPr lang="ru-RU" smtClean="0"/>
               <a:pPr/>
-              <a:t>29.05.2019</a:t>
+              <a:t>30.05.2019</a:t>
             </a:fld>
             <a:endParaRPr lang="ru-RU"/>
           </a:p>
@@ -2405,7 +2405,7 @@
             <a:fld id="{5B106E36-FD25-4E2D-B0AA-010F637433A0}" type="datetimeFigureOut">
               <a:rPr lang="ru-RU" smtClean="0"/>
               <a:pPr/>
-              <a:t>29.05.2019</a:t>
+              <a:t>30.05.2019</a:t>
             </a:fld>
             <a:endParaRPr lang="ru-RU"/>
           </a:p>
@@ -2679,7 +2679,7 @@
             <a:fld id="{5B106E36-FD25-4E2D-B0AA-010F637433A0}" type="datetimeFigureOut">
               <a:rPr lang="ru-RU" smtClean="0"/>
               <a:pPr/>
-              <a:t>29.05.2019</a:t>
+              <a:t>30.05.2019</a:t>
             </a:fld>
             <a:endParaRPr lang="ru-RU"/>
           </a:p>
@@ -2929,7 +2929,7 @@
             <a:fld id="{5B106E36-FD25-4E2D-B0AA-010F637433A0}" type="datetimeFigureOut">
               <a:rPr lang="ru-RU" smtClean="0"/>
               <a:pPr/>
-              <a:t>29.05.2019</a:t>
+              <a:t>30.05.2019</a:t>
             </a:fld>
             <a:endParaRPr lang="ru-RU"/>
           </a:p>
@@ -3139,7 +3139,7 @@
             <a:fld id="{5B106E36-FD25-4E2D-B0AA-010F637433A0}" type="datetimeFigureOut">
               <a:rPr lang="ru-RU" smtClean="0"/>
               <a:pPr/>
-              <a:t>29.05.2019</a:t>
+              <a:t>30.05.2019</a:t>
             </a:fld>
             <a:endParaRPr lang="ru-RU"/>
           </a:p>
@@ -4143,15 +4143,7 @@
             </a:r>
             <a:r>
               <a:rPr lang="ru-RU" dirty="0" smtClean="0"/>
-              <a:t>- </a:t>
-            </a:r>
-            <a:r>
-              <a:rPr lang="ru-RU" dirty="0" smtClean="0"/>
-              <a:t>наименьшее значение функции на </a:t>
-            </a:r>
-            <a:r>
-              <a:rPr lang="ru-RU" dirty="0" smtClean="0"/>
-              <a:t>брусе </a:t>
+              <a:t>- наименьшее значение функции на брусе </a:t>
             </a:r>
             <a:r>
               <a:rPr lang="en-US" i="1" dirty="0" smtClean="0">
@@ -4162,17 +4154,8 @@
             </a:r>
             <a:r>
               <a:rPr lang="ru-RU" dirty="0" smtClean="0"/>
-              <a:t> (которое</a:t>
+              <a:t> (которое, очевидно, существует).</a:t>
             </a:r>
-            <a:r>
-              <a:rPr lang="ru-RU" dirty="0" smtClean="0"/>
-              <a:t>, очевидно, </a:t>
-            </a:r>
-            <a:r>
-              <a:rPr lang="ru-RU" dirty="0" smtClean="0"/>
-              <a:t>существует).</a:t>
-            </a:r>
-            <a:endParaRPr lang="ru-RU" dirty="0" smtClean="0"/>
           </a:p>
           <a:p>
             <a:pPr indent="342900">
@@ -4231,11 +4214,7 @@
             </a:r>
             <a:r>
               <a:rPr lang="en-US" b="1" dirty="0" smtClean="0"/>
-              <a:t> </a:t>
-            </a:r>
-            <a:r>
-              <a:rPr lang="en-US" b="1" dirty="0" smtClean="0"/>
-              <a:t>2</a:t>
+              <a:t> 2</a:t>
             </a:r>
             <a:r>
               <a:rPr lang="ru-RU" dirty="0" smtClean="0"/>
@@ -4248,11 +4227,7 @@
             </a:pPr>
             <a:r>
               <a:rPr lang="ru-RU" i="1" dirty="0" smtClean="0"/>
-              <a:t>среди членов последовательности найдётся </a:t>
-            </a:r>
-            <a:r>
-              <a:rPr lang="ru-RU" i="1" dirty="0" smtClean="0"/>
-              <a:t>точка</a:t>
+              <a:t>среди членов последовательности найдётся точка</a:t>
             </a:r>
             <a:r>
               <a:rPr lang="en-US" i="1" dirty="0" smtClean="0"/>
@@ -4260,11 +4235,7 @@
             </a:r>
             <a:r>
               <a:rPr lang="ru-RU" i="1" dirty="0" smtClean="0"/>
-              <a:t>, </a:t>
-            </a:r>
-            <a:r>
-              <a:rPr lang="ru-RU" i="1" dirty="0" smtClean="0"/>
-              <a:t>для которой выполняется условие</a:t>
+              <a:t>, для которой выполняется условие</a:t>
             </a:r>
             <a:endParaRPr lang="ru-RU" i="1" dirty="0"/>
           </a:p>
@@ -16071,7 +16042,7 @@
         </p:nvGraphicFramePr>
         <p:xfrm>
           <a:off x="5025008" y="4869161"/>
-          <a:ext cx="4880991" cy="1950012"/>
+          <a:ext cx="4880991" cy="1967284"/>
         </p:xfrm>
         <a:graphic>
           <a:graphicData uri="http://schemas.openxmlformats.org/drawingml/2006/table">
@@ -20403,6 +20374,40 @@
           </a:ln>
         </p:spPr>
       </p:pic>
+      <p:sp>
+        <p:nvSpPr>
+          <p:cNvPr id="4" name="TextBox 3"/>
+          <p:cNvSpPr txBox="1"/>
+          <p:nvPr/>
+        </p:nvSpPr>
+        <p:spPr>
+          <a:xfrm>
+            <a:off x="8841432" y="0"/>
+            <a:ext cx="1064568" cy="646331"/>
+          </a:xfrm>
+          <a:prstGeom prst="rect">
+            <a:avLst/>
+          </a:prstGeom>
+          <a:noFill/>
+        </p:spPr>
+        <p:txBody>
+          <a:bodyPr wrap="square" rtlCol="0">
+            <a:spAutoFit/>
+          </a:bodyPr>
+          <a:lstStyle/>
+          <a:p>
+            <a:r>
+              <a:rPr lang="en-US" sz="3600" b="1" dirty="0" smtClean="0"/>
+              <a:t>1</a:t>
+            </a:r>
+            <a:r>
+              <a:rPr lang="ru-RU" sz="3600" b="1" dirty="0" smtClean="0"/>
+              <a:t>2.1</a:t>
+            </a:r>
+            <a:endParaRPr lang="ru-RU" sz="3600" b="1" dirty="0"/>
+          </a:p>
+        </p:txBody>
+      </p:sp>
     </p:spTree>
   </p:cSld>
   <p:clrMapOvr>
@@ -20492,6 +20497,40 @@
           </a:ln>
         </p:spPr>
       </p:pic>
+      <p:sp>
+        <p:nvSpPr>
+          <p:cNvPr id="4" name="TextBox 3"/>
+          <p:cNvSpPr txBox="1"/>
+          <p:nvPr/>
+        </p:nvSpPr>
+        <p:spPr>
+          <a:xfrm>
+            <a:off x="8841432" y="-27384"/>
+            <a:ext cx="1064568" cy="646331"/>
+          </a:xfrm>
+          <a:prstGeom prst="rect">
+            <a:avLst/>
+          </a:prstGeom>
+          <a:noFill/>
+        </p:spPr>
+        <p:txBody>
+          <a:bodyPr wrap="square" rtlCol="0">
+            <a:spAutoFit/>
+          </a:bodyPr>
+          <a:lstStyle/>
+          <a:p>
+            <a:r>
+              <a:rPr lang="en-US" sz="3600" b="1" dirty="0" smtClean="0"/>
+              <a:t>1</a:t>
+            </a:r>
+            <a:r>
+              <a:rPr lang="ru-RU" sz="3600" b="1" dirty="0" smtClean="0"/>
+              <a:t>2.2</a:t>
+            </a:r>
+            <a:endParaRPr lang="ru-RU" sz="3600" b="1" dirty="0"/>
+          </a:p>
+        </p:txBody>
+      </p:sp>
     </p:spTree>
   </p:cSld>
   <p:clrMapOvr>
@@ -20572,21 +20611,7 @@
                 <a:latin typeface="Times New Roman" pitchFamily="18" charset="0"/>
                 <a:cs typeface="Times New Roman" pitchFamily="18" charset="0"/>
               </a:rPr>
-              <a:t>И</a:t>
-            </a:r>
-            <a:r>
-              <a:rPr lang="ru-RU" sz="2000" dirty="0" smtClean="0">
-                <a:latin typeface="Times New Roman" pitchFamily="18" charset="0"/>
-                <a:cs typeface="Times New Roman" pitchFamily="18" charset="0"/>
-              </a:rPr>
-              <a:t>зучено </a:t>
-            </a:r>
-            <a:r>
-              <a:rPr lang="ru-RU" sz="2000" dirty="0" smtClean="0">
-                <a:latin typeface="Times New Roman" pitchFamily="18" charset="0"/>
-                <a:cs typeface="Times New Roman" pitchFamily="18" charset="0"/>
-              </a:rPr>
-              <a:t>современное состояние методов приближённого вычисления минимального значения </a:t>
+              <a:t>Изучено современное состояние методов приближённого вычисления минимального значения </a:t>
             </a:r>
             <a:r>
               <a:rPr lang="ru-RU" sz="2000" dirty="0" err="1" smtClean="0">
@@ -20641,19 +20666,8 @@
                 <a:latin typeface="Times New Roman" pitchFamily="18" charset="0"/>
                 <a:cs typeface="Times New Roman" pitchFamily="18" charset="0"/>
               </a:rPr>
-              <a:t>Следует подчеркнуть, что в обоих случаях на функции не накладывались никакие дополнительные требования, кроме их непрерывности на выпуклом </a:t>
+              <a:t>Следует подчеркнуть, что в обоих случаях на функции не накладывались никакие дополнительные требования, кроме их непрерывности на выпуклом компакте конечномерного арифметического пространства.</a:t>
             </a:r>
-            <a:r>
-              <a:rPr lang="ru-RU" sz="2000" dirty="0" smtClean="0">
-                <a:latin typeface="Times New Roman" pitchFamily="18" charset="0"/>
-                <a:cs typeface="Times New Roman" pitchFamily="18" charset="0"/>
-              </a:rPr>
-              <a:t>компакте конечномерного арифметического пространства.</a:t>
-            </a:r>
-            <a:endParaRPr lang="ru-RU" sz="2000" dirty="0" smtClean="0">
-              <a:latin typeface="Times New Roman" pitchFamily="18" charset="0"/>
-              <a:cs typeface="Times New Roman" pitchFamily="18" charset="0"/>
-            </a:endParaRPr>
           </a:p>
           <a:p>
             <a:r>
@@ -20678,6 +20692,40 @@
               <a:latin typeface="Times New Roman" pitchFamily="18" charset="0"/>
               <a:cs typeface="Times New Roman" pitchFamily="18" charset="0"/>
             </a:endParaRPr>
+          </a:p>
+        </p:txBody>
+      </p:sp>
+      <p:sp>
+        <p:nvSpPr>
+          <p:cNvPr id="5" name="TextBox 4"/>
+          <p:cNvSpPr txBox="1"/>
+          <p:nvPr/>
+        </p:nvSpPr>
+        <p:spPr>
+          <a:xfrm>
+            <a:off x="9201472" y="0"/>
+            <a:ext cx="704528" cy="646331"/>
+          </a:xfrm>
+          <a:prstGeom prst="rect">
+            <a:avLst/>
+          </a:prstGeom>
+          <a:noFill/>
+        </p:spPr>
+        <p:txBody>
+          <a:bodyPr wrap="square" rtlCol="0">
+            <a:spAutoFit/>
+          </a:bodyPr>
+          <a:lstStyle/>
+          <a:p>
+            <a:r>
+              <a:rPr lang="en-US" sz="3600" b="1" dirty="0" smtClean="0"/>
+              <a:t>1</a:t>
+            </a:r>
+            <a:r>
+              <a:rPr lang="ru-RU" sz="3600" b="1" dirty="0" smtClean="0"/>
+              <a:t>3</a:t>
+            </a:r>
+            <a:endParaRPr lang="ru-RU" sz="3600" b="1" dirty="0"/>
           </a:p>
         </p:txBody>
       </p:sp>
@@ -21183,6 +21231,40 @@
           </a:p>
         </p:txBody>
       </p:sp>
+      <p:sp>
+        <p:nvSpPr>
+          <p:cNvPr id="4" name="TextBox 3"/>
+          <p:cNvSpPr txBox="1"/>
+          <p:nvPr/>
+        </p:nvSpPr>
+        <p:spPr>
+          <a:xfrm>
+            <a:off x="9201472" y="0"/>
+            <a:ext cx="704528" cy="646331"/>
+          </a:xfrm>
+          <a:prstGeom prst="rect">
+            <a:avLst/>
+          </a:prstGeom>
+          <a:noFill/>
+        </p:spPr>
+        <p:txBody>
+          <a:bodyPr wrap="square" rtlCol="0">
+            <a:spAutoFit/>
+          </a:bodyPr>
+          <a:lstStyle/>
+          <a:p>
+            <a:r>
+              <a:rPr lang="en-US" sz="3600" b="1" dirty="0" smtClean="0"/>
+              <a:t>1</a:t>
+            </a:r>
+            <a:r>
+              <a:rPr lang="ru-RU" sz="3600" b="1" dirty="0" smtClean="0"/>
+              <a:t>4</a:t>
+            </a:r>
+            <a:endParaRPr lang="ru-RU" sz="3600" b="1" dirty="0"/>
+          </a:p>
+        </p:txBody>
+      </p:sp>
     </p:spTree>
   </p:cSld>
   <p:clrMapOvr>
@@ -21304,6 +21386,40 @@
           </a:ln>
         </p:spPr>
       </p:pic>
+      <p:sp>
+        <p:nvSpPr>
+          <p:cNvPr id="8" name="TextBox 7"/>
+          <p:cNvSpPr txBox="1"/>
+          <p:nvPr/>
+        </p:nvSpPr>
+        <p:spPr>
+          <a:xfrm>
+            <a:off x="9201472" y="0"/>
+            <a:ext cx="704528" cy="646331"/>
+          </a:xfrm>
+          <a:prstGeom prst="rect">
+            <a:avLst/>
+          </a:prstGeom>
+          <a:noFill/>
+        </p:spPr>
+        <p:txBody>
+          <a:bodyPr wrap="square" rtlCol="0">
+            <a:spAutoFit/>
+          </a:bodyPr>
+          <a:lstStyle/>
+          <a:p>
+            <a:r>
+              <a:rPr lang="en-US" sz="3600" b="1" dirty="0" smtClean="0"/>
+              <a:t>1</a:t>
+            </a:r>
+            <a:r>
+              <a:rPr lang="ru-RU" sz="3600" b="1" dirty="0" smtClean="0"/>
+              <a:t>5</a:t>
+            </a:r>
+            <a:endParaRPr lang="ru-RU" sz="3600" b="1" dirty="0"/>
+          </a:p>
+        </p:txBody>
+      </p:sp>
     </p:spTree>
   </p:cSld>
   <p:clrMapOvr>
@@ -21414,15 +21530,7 @@
             </a:r>
             <a:r>
               <a:rPr lang="ru-RU" dirty="0" smtClean="0"/>
-              <a:t>и Н. К. Арутюновой </a:t>
-            </a:r>
-            <a:r>
-              <a:rPr lang="ru-RU" dirty="0" smtClean="0"/>
-              <a:t>предложены обобщения </a:t>
-            </a:r>
-            <a:r>
-              <a:rPr lang="ru-RU" dirty="0" smtClean="0"/>
-              <a:t>алгоритмов </a:t>
+              <a:t>и Н. К. Арутюновой предложены обобщения алгоритмов </a:t>
             </a:r>
             <a:r>
               <a:rPr lang="ru-RU" dirty="0" err="1" smtClean="0"/>
@@ -21432,7 +21540,6 @@
               <a:rPr lang="ru-RU" dirty="0" smtClean="0"/>
               <a:t> и Евтушенко. В предлагаемой работе строятся алгоритмы, обобщающие метод равномерного перебора.</a:t>
             </a:r>
-            <a:endParaRPr lang="ru-RU" dirty="0" smtClean="0"/>
           </a:p>
           <a:p>
             <a:endParaRPr lang="ru-RU" dirty="0"/>
@@ -21764,14 +21871,7 @@
                 <a:latin typeface="Cambria" pitchFamily="18" charset="0"/>
                 <a:ea typeface="Cambria" pitchFamily="18" charset="0"/>
               </a:rPr>
-              <a:t>b</a:t>
-            </a:r>
-            <a:r>
-              <a:rPr lang="en-US" i="1" dirty="0" smtClean="0">
-                <a:latin typeface="Cambria" pitchFamily="18" charset="0"/>
-                <a:ea typeface="Cambria" pitchFamily="18" charset="0"/>
-              </a:rPr>
-              <a:t>]</a:t>
+              <a:t>b]</a:t>
             </a:r>
             <a:r>
               <a:rPr lang="ru-RU" dirty="0" smtClean="0"/>
@@ -21797,7 +21897,6 @@
               <a:rPr lang="ru-RU" dirty="0" smtClean="0"/>
               <a:t> с заданной точностью.</a:t>
             </a:r>
-            <a:endParaRPr lang="ru-RU" dirty="0" smtClean="0"/>
           </a:p>
         </p:txBody>
       </p:sp>
@@ -22213,14 +22312,7 @@
                 <a:latin typeface="Cambria" pitchFamily="18" charset="0"/>
                 <a:ea typeface="Cambria" pitchFamily="18" charset="0"/>
               </a:rPr>
-              <a:t> </a:t>
-            </a:r>
-            <a:r>
-              <a:rPr lang="ru-RU" dirty="0" smtClean="0">
-                <a:latin typeface="Cambria" pitchFamily="18" charset="0"/>
-                <a:ea typeface="Cambria" pitchFamily="18" charset="0"/>
-              </a:rPr>
-              <a:t>              , удовлетворяющее неравенству  </a:t>
+              <a:t>               , удовлетворяющее неравенству  </a:t>
             </a:r>
           </a:p>
           <a:p>
@@ -22247,10 +22339,6 @@
               </a:rPr>
               <a:t>Вычисляем значения функции в полученных узлах и выбираем наименьшее из них.</a:t>
             </a:r>
-            <a:endParaRPr lang="ru-RU" dirty="0" smtClean="0">
-              <a:latin typeface="Cambria" pitchFamily="18" charset="0"/>
-              <a:ea typeface="Cambria" pitchFamily="18" charset="0"/>
-            </a:endParaRPr>
           </a:p>
           <a:p>
             <a:pPr marL="514350" indent="-514350">
@@ -22760,17 +22848,8 @@
             </a:r>
             <a:r>
               <a:rPr lang="ru-RU" dirty="0" smtClean="0"/>
-              <a:t>- </a:t>
+              <a:t>- наименьшее значение функции на отрезке  (которое, очевидно, существует).</a:t>
             </a:r>
-            <a:r>
-              <a:rPr lang="ru-RU" dirty="0" smtClean="0"/>
-              <a:t>наименьшее значение функции на отрезке  (которое, очевидно, существует</a:t>
-            </a:r>
-            <a:r>
-              <a:rPr lang="ru-RU" dirty="0" smtClean="0"/>
-              <a:t>).</a:t>
-            </a:r>
-            <a:endParaRPr lang="ru-RU" dirty="0" smtClean="0"/>
           </a:p>
           <a:p>
             <a:pPr indent="342900">
@@ -22842,15 +22921,7 @@
             </a:pPr>
             <a:r>
               <a:rPr lang="ru-RU" i="1" dirty="0" smtClean="0"/>
-              <a:t>среди членов последовательности найдётся </a:t>
-            </a:r>
-            <a:r>
-              <a:rPr lang="ru-RU" i="1" dirty="0" smtClean="0"/>
-              <a:t>точка, </a:t>
-            </a:r>
-            <a:r>
-              <a:rPr lang="ru-RU" i="1" dirty="0" smtClean="0"/>
-              <a:t>для которой выполняется условие</a:t>
+              <a:t>среди членов последовательности найдётся точка, для которой выполняется условие</a:t>
             </a:r>
             <a:endParaRPr lang="ru-RU" i="1" dirty="0"/>
           </a:p>
@@ -33385,14 +33456,7 @@
                 <a:latin typeface="Cambria" pitchFamily="18" charset="0"/>
                 <a:ea typeface="Cambria" pitchFamily="18" charset="0"/>
               </a:rPr>
-              <a:t>P = </a:t>
-            </a:r>
-            <a:r>
-              <a:rPr lang="en-US" i="1" dirty="0" smtClean="0">
-                <a:latin typeface="Cambria" pitchFamily="18" charset="0"/>
-                <a:ea typeface="Cambria" pitchFamily="18" charset="0"/>
-              </a:rPr>
-              <a:t>[a; b] </a:t>
+              <a:t>P = [a; b] </a:t>
             </a:r>
             <a:r>
               <a:rPr lang="ru-RU" i="1" dirty="0" err="1" smtClean="0">
@@ -33522,7 +33586,6 @@
               <a:rPr lang="ru-RU" dirty="0" smtClean="0"/>
               <a:t> с заданной точностью.</a:t>
             </a:r>
-            <a:endParaRPr lang="ru-RU" dirty="0" smtClean="0"/>
           </a:p>
         </p:txBody>
       </p:sp>
@@ -33750,11 +33813,7 @@
             </a:pPr>
             <a:r>
               <a:rPr lang="ru-RU" dirty="0" smtClean="0"/>
-              <a:t>П</a:t>
-            </a:r>
-            <a:r>
-              <a:rPr lang="ru-RU" dirty="0" smtClean="0"/>
-              <a:t>олагаем, что </a:t>
+              <a:t>Полагаем, что </a:t>
             </a:r>
             <a:r>
               <a:rPr lang="en-US" i="1" dirty="0" smtClean="0">
